--- a/PPT/Framwork_Content.pptx
+++ b/PPT/Framwork_Content.pptx
@@ -5,10 +5,10 @@
     <p:sldMasterId id="2147483672" r:id="rId1"/>
   </p:sldMasterIdLst>
   <p:notesMasterIdLst>
-    <p:notesMasterId r:id="rId10"/>
+    <p:notesMasterId r:id="rId11"/>
   </p:notesMasterIdLst>
   <p:handoutMasterIdLst>
-    <p:handoutMasterId r:id="rId11"/>
+    <p:handoutMasterId r:id="rId12"/>
   </p:handoutMasterIdLst>
   <p:sldIdLst>
     <p:sldId id="257" r:id="rId2"/>
@@ -19,6 +19,7 @@
     <p:sldId id="262" r:id="rId7"/>
     <p:sldId id="263" r:id="rId8"/>
     <p:sldId id="264" r:id="rId9"/>
+    <p:sldId id="265" r:id="rId10"/>
   </p:sldIdLst>
   <p:sldSz cx="9144000" cy="6858000" type="screen4x3"/>
   <p:notesSz cx="6858000" cy="9144000"/>
@@ -202,7 +203,7 @@
           <a:p>
             <a:fld id="{664DB053-E899-427E-A6D9-C22779F3B43A}" type="datetimeFigureOut">
               <a:rPr lang="en-US" smtClean="0"/>
-              <a:t>5/18/2017</a:t>
+              <a:t>5/28/2017</a:t>
             </a:fld>
             <a:endParaRPr lang="en-US"/>
           </a:p>
@@ -372,7 +373,7 @@
           <a:p>
             <a:fld id="{125EAA79-740A-484C-B7E8-1EA3EF2A1C29}" type="datetimeFigureOut">
               <a:rPr lang="en-US" smtClean="0"/>
-              <a:t>5/18/2017</a:t>
+              <a:t>5/28/2017</a:t>
             </a:fld>
             <a:endParaRPr lang="en-US"/>
           </a:p>
@@ -1160,7 +1161,7 @@
           <a:p>
             <a:fld id="{95667B3F-0124-4B55-860A-8AA1BB24CED9}" type="datetime1">
               <a:rPr lang="en-US" smtClean="0"/>
-              <a:t>5/18/2017</a:t>
+              <a:t>5/28/2017</a:t>
             </a:fld>
             <a:endParaRPr lang="en-US"/>
           </a:p>
@@ -1329,7 +1330,7 @@
           <a:p>
             <a:fld id="{08119EA7-B0F3-4415-9C06-265D7E2A82A0}" type="datetime1">
               <a:rPr lang="en-US" smtClean="0"/>
-              <a:t>5/18/2017</a:t>
+              <a:t>5/28/2017</a:t>
             </a:fld>
             <a:endParaRPr lang="en-US"/>
           </a:p>
@@ -1508,7 +1509,7 @@
           <a:p>
             <a:fld id="{34E4E57C-1D75-42A9-AEE6-50DF9BF83792}" type="datetime1">
               <a:rPr lang="en-US" smtClean="0"/>
-              <a:t>5/18/2017</a:t>
+              <a:t>5/28/2017</a:t>
             </a:fld>
             <a:endParaRPr lang="en-US"/>
           </a:p>
@@ -1677,7 +1678,7 @@
           <a:p>
             <a:fld id="{19AED00A-11E2-4CF6-9DA8-616557C8F16B}" type="datetime1">
               <a:rPr lang="en-US" smtClean="0"/>
-              <a:t>5/18/2017</a:t>
+              <a:t>5/28/2017</a:t>
             </a:fld>
             <a:endParaRPr lang="en-US"/>
           </a:p>
@@ -1922,7 +1923,7 @@
           <a:p>
             <a:fld id="{AD484A3F-74DE-44D0-AE57-CFFBB13D43A7}" type="datetime1">
               <a:rPr lang="en-US" smtClean="0"/>
-              <a:t>5/18/2017</a:t>
+              <a:t>5/28/2017</a:t>
             </a:fld>
             <a:endParaRPr lang="en-US"/>
           </a:p>
@@ -2209,7 +2210,7 @@
           <a:p>
             <a:fld id="{98F8A607-8680-48FA-A38F-2035CEB09BB2}" type="datetime1">
               <a:rPr lang="en-US" smtClean="0"/>
-              <a:t>5/18/2017</a:t>
+              <a:t>5/28/2017</a:t>
             </a:fld>
             <a:endParaRPr lang="en-US"/>
           </a:p>
@@ -2642,7 +2643,7 @@
           <a:p>
             <a:fld id="{2879C1A8-C2E2-451C-8281-4D1E31158F45}" type="datetime1">
               <a:rPr lang="en-US" smtClean="0"/>
-              <a:t>5/18/2017</a:t>
+              <a:t>5/28/2017</a:t>
             </a:fld>
             <a:endParaRPr lang="en-US"/>
           </a:p>
@@ -2759,7 +2760,7 @@
           <a:p>
             <a:fld id="{2FC464E5-6457-4739-917A-663A2D392A3A}" type="datetime1">
               <a:rPr lang="en-US" smtClean="0"/>
-              <a:t>5/18/2017</a:t>
+              <a:t>5/28/2017</a:t>
             </a:fld>
             <a:endParaRPr lang="en-US"/>
           </a:p>
@@ -2853,7 +2854,7 @@
           <a:p>
             <a:fld id="{B310A784-223C-410E-8E2F-07977D2514AE}" type="datetime1">
               <a:rPr lang="en-US" smtClean="0"/>
-              <a:t>5/18/2017</a:t>
+              <a:t>5/28/2017</a:t>
             </a:fld>
             <a:endParaRPr lang="en-US"/>
           </a:p>
@@ -3046,7 +3047,7 @@
           <a:p>
             <a:fld id="{89431CC8-CE7F-433F-8838-5FFECF7907BA}" type="datetime1">
               <a:rPr lang="en-US" smtClean="0"/>
-              <a:t>5/18/2017</a:t>
+              <a:t>5/28/2017</a:t>
             </a:fld>
             <a:endParaRPr lang="en-US"/>
           </a:p>
@@ -3368,7 +3369,7 @@
           <a:p>
             <a:fld id="{92F69232-B444-49CC-8912-A5F3DF94EBF2}" type="datetime1">
               <a:rPr lang="en-US" smtClean="0"/>
-              <a:t>5/18/2017</a:t>
+              <a:t>5/28/2017</a:t>
             </a:fld>
             <a:endParaRPr lang="en-US"/>
           </a:p>
@@ -3755,7 +3756,7 @@
           <a:p>
             <a:fld id="{2744FFEF-FE93-4BD3-AA22-6B894C482E20}" type="datetime1">
               <a:rPr lang="en-US" smtClean="0"/>
-              <a:t>5/18/2017</a:t>
+              <a:t>5/28/2017</a:t>
             </a:fld>
             <a:endParaRPr lang="en-US"/>
           </a:p>
@@ -5330,6 +5331,160 @@
     <p:extLst>
       <p:ext uri="{BB962C8B-B14F-4D97-AF65-F5344CB8AC3E}">
         <p14:creationId xmlns:p14="http://schemas.microsoft.com/office/powerpoint/2010/main" val="7992893"/>
+      </p:ext>
+    </p:extLst>
+  </p:cSld>
+  <p:clrMapOvr>
+    <a:masterClrMapping/>
+  </p:clrMapOvr>
+  <p:timing>
+    <p:tnLst>
+      <p:par>
+        <p:cTn id="1" dur="indefinite" restart="never" nodeType="tmRoot"/>
+      </p:par>
+    </p:tnLst>
+  </p:timing>
+</p:sld>
+</file>
+
+<file path=ppt/slides/slide9.xml><?xml version="1.0" encoding="utf-8"?>
+<p:sld xmlns:a="http://schemas.openxmlformats.org/drawingml/2006/main" xmlns:r="http://schemas.openxmlformats.org/officeDocument/2006/relationships" xmlns:p="http://schemas.openxmlformats.org/presentationml/2006/main">
+  <p:cSld>
+    <p:spTree>
+      <p:nvGrpSpPr>
+        <p:cNvPr id="1" name=""/>
+        <p:cNvGrpSpPr/>
+        <p:nvPr/>
+      </p:nvGrpSpPr>
+      <p:grpSpPr>
+        <a:xfrm>
+          <a:off x="0" y="0"/>
+          <a:ext cx="0" cy="0"/>
+          <a:chOff x="0" y="0"/>
+          <a:chExt cx="0" cy="0"/>
+        </a:xfrm>
+      </p:grpSpPr>
+      <p:sp>
+        <p:nvSpPr>
+          <p:cNvPr id="2" name="Title 1"/>
+          <p:cNvSpPr>
+            <a:spLocks noGrp="1"/>
+          </p:cNvSpPr>
+          <p:nvPr>
+            <p:ph type="title"/>
+          </p:nvPr>
+        </p:nvSpPr>
+        <p:spPr/>
+        <p:txBody>
+          <a:bodyPr/>
+          <a:lstStyle/>
+          <a:p>
+            <a:pPr algn="ctr"/>
+            <a:r>
+              <a:rPr lang="en-US" dirty="0" smtClean="0"/>
+              <a:t>TestNG </a:t>
+            </a:r>
+            <a:r>
+              <a:rPr lang="en-US" dirty="0" smtClean="0"/>
+              <a:t>Report</a:t>
+            </a:r>
+            <a:endParaRPr lang="en-US" dirty="0"/>
+          </a:p>
+        </p:txBody>
+      </p:sp>
+      <p:sp>
+        <p:nvSpPr>
+          <p:cNvPr id="5" name="Footer Placeholder 4"/>
+          <p:cNvSpPr>
+            <a:spLocks noGrp="1"/>
+          </p:cNvSpPr>
+          <p:nvPr>
+            <p:ph type="ftr" sz="quarter" idx="11"/>
+          </p:nvPr>
+        </p:nvSpPr>
+        <p:spPr/>
+        <p:txBody>
+          <a:bodyPr/>
+          <a:lstStyle/>
+          <a:p>
+            <a:r>
+              <a:rPr lang="en-US" smtClean="0"/>
+              <a:t>Ambadas Adhav(Test Automation)</a:t>
+            </a:r>
+            <a:endParaRPr lang="en-US"/>
+          </a:p>
+        </p:txBody>
+      </p:sp>
+      <p:pic>
+        <p:nvPicPr>
+          <p:cNvPr id="1028" name="Picture 4"/>
+          <p:cNvPicPr>
+            <a:picLocks noGrp="1" noChangeAspect="1" noChangeArrowheads="1"/>
+          </p:cNvPicPr>
+          <p:nvPr>
+            <p:ph sz="half" idx="1"/>
+          </p:nvPr>
+        </p:nvPicPr>
+        <p:blipFill>
+          <a:blip r:embed="rId2">
+            <a:extLst>
+              <a:ext uri="{28A0092B-C50C-407E-A947-70E740481C1C}">
+                <a14:useLocalDpi xmlns:a14="http://schemas.microsoft.com/office/drawing/2010/main" val="0"/>
+              </a:ext>
+            </a:extLst>
+          </a:blip>
+          <a:srcRect/>
+          <a:stretch>
+            <a:fillRect/>
+          </a:stretch>
+        </p:blipFill>
+        <p:spPr bwMode="auto">
+          <a:xfrm>
+            <a:off x="457200" y="1447801"/>
+            <a:ext cx="7391400" cy="3046140"/>
+          </a:xfrm>
+          <a:prstGeom prst="rect">
+            <a:avLst/>
+          </a:prstGeom>
+          <a:noFill/>
+          <a:ln>
+            <a:noFill/>
+          </a:ln>
+          <a:effectLst/>
+          <a:extLst>
+            <a:ext uri="{909E8E84-426E-40DD-AFC4-6F175D3DCCD1}">
+              <a14:hiddenFill xmlns:a14="http://schemas.microsoft.com/office/drawing/2010/main">
+                <a:solidFill>
+                  <a:schemeClr val="accent1"/>
+                </a:solidFill>
+              </a14:hiddenFill>
+            </a:ext>
+            <a:ext uri="{91240B29-F687-4F45-9708-019B960494DF}">
+              <a14:hiddenLine xmlns:a14="http://schemas.microsoft.com/office/drawing/2010/main" w="9525">
+                <a:solidFill>
+                  <a:schemeClr val="tx1"/>
+                </a:solidFill>
+                <a:miter lim="800000"/>
+                <a:headEnd/>
+                <a:tailEnd/>
+              </a14:hiddenLine>
+            </a:ext>
+            <a:ext uri="{AF507438-7753-43E0-B8FC-AC1667EBCBE1}">
+              <a14:hiddenEffects xmlns:a14="http://schemas.microsoft.com/office/drawing/2010/main">
+                <a:effectLst>
+                  <a:outerShdw dist="35921" dir="2700000" algn="ctr" rotWithShape="0">
+                    <a:schemeClr val="bg2"/>
+                  </a:outerShdw>
+                </a:effectLst>
+              </a14:hiddenEffects>
+            </a:ext>
+          </a:extLst>
+        </p:spPr>
+      </p:pic>
+    </p:spTree>
+    <p:extLst>
+      <p:ext uri="{BB962C8B-B14F-4D97-AF65-F5344CB8AC3E}">
+        <p14:creationId xmlns:p14="http://schemas.microsoft.com/office/powerpoint/2010/main" val="2762268834"/>
       </p:ext>
     </p:extLst>
   </p:cSld>
